--- a/presentation/presentation.pptx
+++ b/presentation/presentation.pptx
@@ -7,7 +7,7 @@
     <p:sldMasterId id="2147483656" r:id="rId3"/>
   </p:sldMasterIdLst>
   <p:notesMasterIdLst>
-    <p:notesMasterId r:id="rId9"/>
+    <p:notesMasterId r:id="rId14"/>
   </p:notesMasterIdLst>
   <p:sldIdLst>
     <p:sldId id="256" r:id="rId4"/>
@@ -15,6 +15,11 @@
     <p:sldId id="258" r:id="rId6"/>
     <p:sldId id="259" r:id="rId7"/>
     <p:sldId id="260" r:id="rId8"/>
+    <p:sldId id="261" r:id="rId9"/>
+    <p:sldId id="262" r:id="rId10"/>
+    <p:sldId id="263" r:id="rId11"/>
+    <p:sldId id="265" r:id="rId12"/>
+    <p:sldId id="264" r:id="rId13"/>
   </p:sldIdLst>
   <p:sldSz cx="9144000" cy="6858000" type="screen4x3"/>
   <p:notesSz cx="6858000" cy="9144000"/>
@@ -11265,6 +11270,242 @@
 </p:sld>
 </file>
 
+<file path=ppt/slides/slide10.xml><?xml version="1.0" encoding="utf-8"?>
+<p:sld xmlns:a="http://schemas.openxmlformats.org/drawingml/2006/main" xmlns:r="http://schemas.openxmlformats.org/officeDocument/2006/relationships" xmlns:p="http://schemas.openxmlformats.org/presentationml/2006/main">
+  <p:cSld>
+    <p:spTree>
+      <p:nvGrpSpPr>
+        <p:cNvPr id="1" name=""/>
+        <p:cNvGrpSpPr/>
+        <p:nvPr/>
+      </p:nvGrpSpPr>
+      <p:grpSpPr>
+        <a:xfrm>
+          <a:off x="0" y="0"/>
+          <a:ext cx="0" cy="0"/>
+          <a:chOff x="0" y="0"/>
+          <a:chExt cx="0" cy="0"/>
+        </a:xfrm>
+      </p:grpSpPr>
+      <p:sp>
+        <p:nvSpPr>
+          <p:cNvPr id="2" name="Title 1"/>
+          <p:cNvSpPr>
+            <a:spLocks noGrp="1"/>
+          </p:cNvSpPr>
+          <p:nvPr>
+            <p:ph type="title"/>
+          </p:nvPr>
+        </p:nvSpPr>
+        <p:spPr/>
+        <p:txBody>
+          <a:bodyPr/>
+          <a:lstStyle/>
+          <a:p>
+            <a:r>
+              <a:rPr lang="nl-NL" dirty="0" err="1" smtClean="0"/>
+              <a:t>Questions</a:t>
+            </a:r>
+            <a:r>
+              <a:rPr lang="nl-NL" dirty="0" smtClean="0"/>
+              <a:t>?</a:t>
+            </a:r>
+            <a:endParaRPr lang="en-US" dirty="0"/>
+          </a:p>
+        </p:txBody>
+      </p:sp>
+      <p:sp>
+        <p:nvSpPr>
+          <p:cNvPr id="4" name="Footer Placeholder 3"/>
+          <p:cNvSpPr>
+            <a:spLocks noGrp="1"/>
+          </p:cNvSpPr>
+          <p:nvPr>
+            <p:ph type="ftr" sz="quarter" idx="10"/>
+          </p:nvPr>
+        </p:nvSpPr>
+        <p:spPr/>
+        <p:txBody>
+          <a:bodyPr/>
+          <a:lstStyle/>
+          <a:p>
+            <a:r>
+              <a:rPr lang="nl-NL" smtClean="0"/>
+              <a:t>Algorithms for Massive Data - Collision Detection using CUDA</a:t>
+            </a:r>
+            <a:endParaRPr lang="nl-NL"/>
+          </a:p>
+        </p:txBody>
+      </p:sp>
+      <p:sp>
+        <p:nvSpPr>
+          <p:cNvPr id="5" name="Slide Number Placeholder 4"/>
+          <p:cNvSpPr>
+            <a:spLocks noGrp="1"/>
+          </p:cNvSpPr>
+          <p:nvPr>
+            <p:ph type="sldNum" sz="quarter" idx="11"/>
+          </p:nvPr>
+        </p:nvSpPr>
+        <p:spPr/>
+        <p:txBody>
+          <a:bodyPr/>
+          <a:lstStyle/>
+          <a:p>
+            <a:r>
+              <a:rPr lang="nl-NL" smtClean="0"/>
+              <a:t>PAGE </a:t>
+            </a:r>
+            <a:fld id="{64507BF3-F534-45C0-83AD-04D6CE5339EE}" type="slidenum">
+              <a:rPr lang="nl-NL" smtClean="0"/>
+              <a:pPr/>
+              <a:t>9</a:t>
+            </a:fld>
+            <a:endParaRPr lang="nl-NL"/>
+          </a:p>
+        </p:txBody>
+      </p:sp>
+      <p:sp>
+        <p:nvSpPr>
+          <p:cNvPr id="6" name="Date Placeholder 5"/>
+          <p:cNvSpPr>
+            <a:spLocks noGrp="1"/>
+          </p:cNvSpPr>
+          <p:nvPr>
+            <p:ph type="dt" sz="half" idx="12"/>
+          </p:nvPr>
+        </p:nvSpPr>
+        <p:spPr/>
+        <p:txBody>
+          <a:bodyPr/>
+          <a:lstStyle/>
+          <a:p>
+            <a:fld id="{29387D58-1795-4544-9DBD-51E7675CBAA4}" type="datetime1">
+              <a:rPr lang="nl-NL" smtClean="0"/>
+              <a:t>25-3-2014</a:t>
+            </a:fld>
+            <a:endParaRPr lang="nl-NL"/>
+          </a:p>
+        </p:txBody>
+      </p:sp>
+      <p:sp>
+        <p:nvSpPr>
+          <p:cNvPr id="7" name="AutoShape 2" descr="data:image/jpeg;base64,/9j/4AAQSkZJRgABAQAAAQABAAD/2wCEAAkGBwgHBgkIBwgKCgkLDRYPDQwMDRsUFRAWIB0iIiAdHx8kKDQsJCYxJx8fLT0tMTU3Ojo6Iys/RD84QzQ5OjcBCgoKDQwNGg8PGjclHyU3Nzc3Nzc3Nzc3Nzc3Nzc3Nzc3Nzc3Nzc3Nzc3Nzc3Nzc3Nzc3Nzc3Nzc3Nzc3Nzc3N//AABEIANgAWgMBIgACEQEDEQH/xAAcAAEAAgMBAQEAAAAAAAAAAAAABwgBBQYEAwL/xABEEAABAwMBBAUIBgkCBwAAAAABAgMEAAURBgcSITETQVFhgQgUInGRobHBFSMyQlLwM2JygpKissLRNFMWN0N0k7Px/8QAFAEBAAAAAAAAAAAAAAAAAAAAAP/EABQRAQAAAAAAAAAAAAAAAAAAAAD/2gAMAwEAAhEDEQA/AJxpSlApSlApSlApSlArW6i+k/oSZ9BBo3ItER+lOEhXb/8Aa2VcbrTWxsU+NZ7Vbnbre5aCtqK2cBKfxLPUOB9nVQcnd4u0rTVmk6gkapiy1R0dI/CVHBRu9YBwOXdipNtdwTOtkSYQUmQwh3GeW8kH51HF5e1/rO2mxvabassaSUolS3JIXhGcndA7h+edSZBgtwoMeI1lTbDSW0kniQkYHwoPZSsE4rzy50SGnemSmI6e11wJHvoPTSubma90nDJD+obfkcwh4LP8ua0U3bHoyNvBE96QodTMZWD4nAoOw1Ddo1issu6TFYZjNlZ/WPUB3k4FQG1qXaNtGmuIsa3I0dpQ3kxF9C212byzxJ4cs+FeLXW0Ofr+bGssFkQ7c5JQlttSsrdUThJWernnHxqcVqsezrSAJSmPCiIxuj7Tzh+KifzgUHH7I7nq6NeJ+nNVRZrvQp6ZMp87xbzwxvfeSerGeRqWM9VVf1Nte1ReXCmHIFri54NRT6Xis8T4YFayybSNWWmYl5q8SX0b4UtmSrpErHZ6WcZ7sUFq7jIVEgyJKGHH1MtKWGW/tLIGcDvNaDSRiX9LGqZFjct11daVHUJAPSJQFcuIHA47BW00zeo2orFDu8PIalN7wSTxSc4Uk94II8K2eBQZrGKzSgrntL2malTqS52m3TTBhxnSynoAA4rHAkr58+zFfOybItWakU3OvkxMVtwb3SSnS88QewD5kVodsUFcHaJd0qb3UvLS8j9YKSOPtzVkdCy/PtGWSSrG85Ba3sdu6AaDgY2wSwIA86ulydUDx3OjQD/KfjW4j7GNFsklcOS9wx9ZJV8sVIdKCKL9so0ZZmk3pb8uBEgK6d8B4q30p4hIzxBJxy49VRFtE1zN1pc+kc3mbewSIsXP2R+JXao+7l6+z8oDVjsm7N6ajOARooS7J3T9t08QD3AYPrPdUPHiTQYrI51isp50FjPJ2mPSNHSo7nFqLMUlo9gUkKI9pPtqVqjfYJa12/QaJDgIM6Qt9II+7wSPbu5qSKBSlKCD/KOsmUWq+Np5ExXjjt9JH91bvYDqdNy04uxvrHnVuP1YxgqZUeB8CSPZXe6usMbUun5lqlAbr6DuLx+jWPsqHqNVTgTrzonUji4yzGuEJxTLiSDhWDxSR1pOPnQWi17PvVt01IkabhKl3EKSltCUb+6CRlW718KiVeo9sb6cItshrvEBA+IqStnuv7ZrOGAgiPcmk5fiKPHvUntT8OuuslEpivKSCSG1EAdfCgpZc5UqbPkybg4pyW66pby1YyVk8eXfXlr6PKWt1anM76lEqz25r8YJ5UGK6TQWk5Wr9QM29jfQwPTkvgfom+s+s8hWNGaNu+r7gI1tYwykjppS/wBGyO/tPdzq0GjNJW3SNqTCtreVHBefWBvvK7SezsHVQbe3Q2LdBYhREdHHjthttPYkDAr00pQKUpQYNQjt/wBGlaUapt7ZJSA1OSkdX3XPkfDsNTfXwmRWZsZ6LKaS6w8gocbUOCkkYINBS623CXbJzM23vrjyWFbzbrZwUn/HdVmtl20NnWcJUaUgM3eMgKebSPQcTnG+nu5cOqoQ2n6GkaOu+GUrXapCiYr/ADx2oUe0e8ce2tLpLUs3Sd3+k7eG1PhpbW64Mp9Icz24OD4UHfau2Paif1TLdsrDD1vlPrdQ4Xko6IKOd1QPHhnhgHhW50rsJCFpf1RP3sH/AE0M4B9azx9gqNLptA1XdciXfpe6TndaV0QHgnFeqxbTdV2aQ2tF1dlNI4FiUekQoY7+PsNBaS02uDZ4LUK2Rm40ZoYS22MD195769tRDs12vLv9zTaNQssMSn1YjPs5ShZ/AQTwPYevlUujlQZpSlApSlApSlBr71bbfdLY/DuzLb0NxP1iXRwwOOc9RHPNU0nmMZ0gwQ4IpcV0IcOVbmeGT24q1O128Ks2gbm80cPPpEds5xgrOCfBOTVTzQYrI51iut2Z6WOrdUxoTn+jaHTSiP8AbHV4nA8aDmProrqVDpGnU7q0nilQ5EEe4g1aLZLrYausIRLUPpSGAiSM8XBjg4PX19+aztE2dW7V1uBZQ3EucdvdjvpGBgckKHWn4e4wBa5t62c6vQt6OpqVFVuvMKPovNnmM9YPUe2gtzStVpq/QNR2hi52x3fYeHI/aQoc0qHURW1oFKUoFKUoIW8pK5blts1sSeLry31epICR/UfZUC1LHlGyuk1ZAij/AKMIKP7yj/ionoFTj5NUEk3y4KHD6phB/iUr+2oOqfvJsltKst4hjPTNyUOq/ZUnA96DQTLXJbQNDwNZ2zoX8MzmgTGlgZLZ7D2pPWK62sZoKuabvt82Wardh3COoNFQTLi59F1PU4g+8HwPdZazXSHerbHuNufS9FfTvIWn4EdR7R1Vo9e6KtesLYWp2GJLIJYmJA3mu49qe0VBmzfWkrRGonLbIeTKtTsjong2vKEqzjpUH85FBZ2lflBBGRyr9UClKUFcfKKjFvWUSRww9BSPFKlf5FRVU/eUXYHJNsgX1nJTEUWXx2JWRuq9ox+9UA0Cu22U6xTo/UYelZ+jpSQ1KwMlI6lADsPuJriaUE1q2q6u1TqBVs0XBjoSoq6LpEgrKB95RUQB2+OONbxFu2yO8F3e2NA8zhGR7EVD+npN40ZOtGpWGFdA8SWz9x9IO6tsnqPD4GrO6O1batW2tM21u5UMB5hXBbKuwj58jQR47sy1pfDu6k1o50JPpNMhSkqH7OUj3V02ldlGmNPONSPN1z5jZ3kvSzvbpzkEJ5DHbjNd5SgwBis0pQKUpQeC/QIl0s8yDcEhUV9pSXR3Y5+HPwqllXdlth2K82eSkKT7RVIhknhxNAxWUZ3hgZOeAqSdpGzqDpHTNrucWVKdflOIbdQ7u7qSUFRxgdorgbMyJF5gsniHJLaPaoCgtHZtERDs8haZvjSHwhj6wo+44cneQe0EnBqLLls21jom7i46Ofelt5KULYwHAD91xB4KHtHqqwo7KzQcZs3uWr7hDlf8Y21uIttSQwsJ3FOc97eTk8uGDwrs6UoFKUoFKUoMKGUkdoqmtltpf1bBtmCoruDbB/8AIBVyjVbtCWtKtuDrKuUWZJdA9W9j4ig73yiWCrRENSOTM9B8NxY+dQls/YEnW9jaUAQZrZ9is/KrI7XbaLls9vCMZUw15wnu3DvH3A1XTZqca/sX/eIoLdis1gVmgUpSgUpSgUpSgVArJRZfKLcDuUokvYSTwBLrQI/mOPXU9VX/AG8oVaNe2a9NA7xaQ5w/E0vPzFBPb7SJDC2XUBbbiSlaT1g8CKqTqS2y9Da3eYYUUOQZAejLP3kZ3kHv4cD41bSFIRMiMSmSC2+2lxBHWCMj41EvlDaa87tUbUMZH1sI9FIx1tqI3T4K/qoJSsVzYvNnh3KMcsymUuJ7sjlXvqH/ACeNQiTZpdgfWOmhr6VgHmWlc/Yr+qpgoFKUoFKUoFKV+VrS2kqWpKUjmVHAFB+qg/ylwN3T573/AOypEve0fSdkymXeY63Rw6KPl1We/dzjxxUEbWNfMa3lwxCiLYiQgvcU6RvuFWMnA4AeiKCetl8nzvZ/YnMglMRDf8Ho/KuguUKPcYEiFMbDkeQ2ptxJ60kYNcfsU/5b2rBz+l/9iq7g8qCqtlkSdnO0tLUhR3YknoHzy32FY4/wkK8KtUkhSQUnII4GoG8ouwhqdb7+yBuvp82fP6wBKD4jeHgKlvQVyVdtGWaatW845EbDiu1YGFe8Gg39KUoFKUoId2tbSr9pu6qtFrhJipU2FInup3ukyOO4CMcCccc8qheXcb7qeehqTKm3KS8vDbRWpZJ7Ep5DwFW01Hp216ktyoN3ipfZJykn7SD2pPMGvBpTQ2n9Kb67TCAfXkKkOnfcx2BR5DhyFBEWk9h1wmoS/qWV5g0RnzZjC3fE8k++pHtOyPRtu3VKthmOAY35Tql5/d4J91dpLkx4TCn5T7TDKftOOrCUjxNcHftselLSro477tyd7IaQUj94kD2ZoO9ixmYjDceM0hpltIShtCQEpA5ADqFfaoQnbfwP9BYCe9+Rj3AVpBty1bJcLcS22sqOSlKGHVqx/H8qCStuUIzNnk1aRlUZ1t4eCsH3KNbbZc0Gdn1iSOuIlXt4/Oq/6o2o6k1JaXrVcfNER3VAuBlopUcHOMknrFTJsM1Eb1o1uG6gIethEc7vJSMZSfXjgfVQSNSlKBSlKBSlKDRa005H1Vp6TaZJ3OkG805/trH2VfnqqtMfZpq6Rc/MU2Z9KukKC856LQAOCrePV+RSlBM2jdjljszSXb0E3Wbjj0icMo/ZT1+s+wVIMG1wbc10cCHGjI/Cy0lA91KUCZa7fORuTYMWQnlh1lKviK+VnsdrsjbrdogsQ0Or33EsoCQpXbSlBsaUpQKUpQf/2Q=="/>
+          <p:cNvSpPr>
+            <a:spLocks noChangeAspect="1" noChangeArrowheads="1"/>
+          </p:cNvSpPr>
+          <p:nvPr/>
+        </p:nvSpPr>
+        <p:spPr bwMode="auto">
+          <a:xfrm>
+            <a:off x="155575" y="-1905000"/>
+            <a:ext cx="1657350" cy="3971925"/>
+          </a:xfrm>
+          <a:prstGeom prst="rect">
+            <a:avLst/>
+          </a:prstGeom>
+          <a:noFill/>
+          <a:extLst>
+            <a:ext uri="{909E8E84-426E-40DD-AFC4-6F175D3DCCD1}">
+              <a14:hiddenFill xmlns:a14="http://schemas.microsoft.com/office/drawing/2010/main">
+                <a:solidFill>
+                  <a:srgbClr val="FFFFFF"/>
+                </a:solidFill>
+              </a14:hiddenFill>
+            </a:ext>
+          </a:extLst>
+        </p:spPr>
+        <p:txBody>
+          <a:bodyPr vert="horz" wrap="square" lIns="91440" tIns="45720" rIns="91440" bIns="45720" numCol="1" anchor="t" anchorCtr="0" compatLnSpc="1">
+            <a:prstTxWarp prst="textNoShape">
+              <a:avLst/>
+            </a:prstTxWarp>
+          </a:bodyPr>
+          <a:lstStyle/>
+          <a:p>
+            <a:endParaRPr lang="en-US"/>
+          </a:p>
+        </p:txBody>
+      </p:sp>
+      <p:pic>
+        <p:nvPicPr>
+          <p:cNvPr id="2051" name="Picture 3"/>
+          <p:cNvPicPr>
+            <a:picLocks noGrp="1" noChangeAspect="1" noChangeArrowheads="1"/>
+          </p:cNvPicPr>
+          <p:nvPr>
+            <p:ph idx="1"/>
+          </p:nvPr>
+        </p:nvPicPr>
+        <p:blipFill>
+          <a:blip r:embed="rId2">
+            <a:extLst>
+              <a:ext uri="{28A0092B-C50C-407E-A947-70E740481C1C}">
+                <a14:useLocalDpi xmlns:a14="http://schemas.microsoft.com/office/drawing/2010/main" val="0"/>
+              </a:ext>
+            </a:extLst>
+          </a:blip>
+          <a:srcRect/>
+          <a:stretch>
+            <a:fillRect/>
+          </a:stretch>
+        </p:blipFill>
+        <p:spPr bwMode="auto">
+          <a:xfrm>
+            <a:off x="3782488" y="1600200"/>
+            <a:ext cx="1652050" cy="3959225"/>
+          </a:xfrm>
+          <a:prstGeom prst="rect">
+            <a:avLst/>
+          </a:prstGeom>
+          <a:noFill/>
+          <a:ln>
+            <a:noFill/>
+          </a:ln>
+          <a:effectLst/>
+          <a:extLst>
+            <a:ext uri="{909E8E84-426E-40DD-AFC4-6F175D3DCCD1}">
+              <a14:hiddenFill xmlns:a14="http://schemas.microsoft.com/office/drawing/2010/main">
+                <a:solidFill>
+                  <a:schemeClr val="accent1"/>
+                </a:solidFill>
+              </a14:hiddenFill>
+            </a:ext>
+            <a:ext uri="{91240B29-F687-4F45-9708-019B960494DF}">
+              <a14:hiddenLine xmlns:a14="http://schemas.microsoft.com/office/drawing/2010/main" w="9525">
+                <a:solidFill>
+                  <a:schemeClr val="tx1"/>
+                </a:solidFill>
+                <a:miter lim="800000"/>
+                <a:headEnd/>
+                <a:tailEnd/>
+              </a14:hiddenLine>
+            </a:ext>
+            <a:ext uri="{AF507438-7753-43E0-B8FC-AC1667EBCBE1}">
+              <a14:hiddenEffects xmlns:a14="http://schemas.microsoft.com/office/drawing/2010/main">
+                <a:effectLst>
+                  <a:outerShdw dist="35921" dir="2700000" algn="ctr" rotWithShape="0">
+                    <a:schemeClr val="bg2"/>
+                  </a:outerShdw>
+                </a:effectLst>
+              </a14:hiddenEffects>
+            </a:ext>
+          </a:extLst>
+        </p:spPr>
+      </p:pic>
+    </p:spTree>
+    <p:extLst>
+      <p:ext uri="{BB962C8B-B14F-4D97-AF65-F5344CB8AC3E}">
+        <p14:creationId xmlns:p14="http://schemas.microsoft.com/office/powerpoint/2010/main" val="2520379375"/>
+      </p:ext>
+    </p:extLst>
+  </p:cSld>
+  <p:clrMapOvr>
+    <a:masterClrMapping/>
+  </p:clrMapOvr>
+</p:sld>
+</file>
+
 <file path=ppt/slides/slide2.xml><?xml version="1.0" encoding="utf-8"?>
 <p:sld xmlns:a="http://schemas.openxmlformats.org/drawingml/2006/main" xmlns:r="http://schemas.openxmlformats.org/officeDocument/2006/relationships" xmlns:p="http://schemas.openxmlformats.org/presentationml/2006/main">
   <p:cSld>
@@ -11358,16 +11599,9 @@
             <a:endParaRPr lang="nl-NL" dirty="0" smtClean="0"/>
           </a:p>
           <a:p>
-            <a:r>
-              <a:rPr lang="nl-NL" dirty="0" err="1" smtClean="0"/>
-              <a:t>Finite</a:t>
-            </a:r>
-            <a:r>
-              <a:rPr lang="nl-NL" dirty="0" smtClean="0"/>
-              <a:t> Element Method (FEM)</a:t>
-            </a:r>
-          </a:p>
-          <a:p>
+            <a:pPr marL="0" indent="0">
+              <a:buNone/>
+            </a:pPr>
             <a:endParaRPr lang="en-US" dirty="0"/>
           </a:p>
         </p:txBody>
@@ -11446,6 +11680,70 @@
           </a:p>
         </p:txBody>
       </p:sp>
+      <p:pic>
+        <p:nvPicPr>
+          <p:cNvPr id="1026" name="Picture 2"/>
+          <p:cNvPicPr>
+            <a:picLocks noChangeAspect="1" noChangeArrowheads="1"/>
+          </p:cNvPicPr>
+          <p:nvPr/>
+        </p:nvPicPr>
+        <p:blipFill>
+          <a:blip r:embed="rId2">
+            <a:extLst>
+              <a:ext uri="{28A0092B-C50C-407E-A947-70E740481C1C}">
+                <a14:useLocalDpi xmlns:a14="http://schemas.microsoft.com/office/drawing/2010/main" val="0"/>
+              </a:ext>
+            </a:extLst>
+          </a:blip>
+          <a:srcRect/>
+          <a:stretch>
+            <a:fillRect/>
+          </a:stretch>
+        </p:blipFill>
+        <p:spPr bwMode="auto">
+          <a:xfrm>
+            <a:off x="685800" y="3018102"/>
+            <a:ext cx="7772400" cy="2846231"/>
+          </a:xfrm>
+          <a:prstGeom prst="rect">
+            <a:avLst/>
+          </a:prstGeom>
+          <a:noFill/>
+          <a:ln>
+            <a:noFill/>
+          </a:ln>
+          <a:effectLst/>
+          <a:extLst>
+            <a:ext uri="{909E8E84-426E-40DD-AFC4-6F175D3DCCD1}">
+              <a14:hiddenFill xmlns:a14="http://schemas.microsoft.com/office/drawing/2010/main">
+                <a:solidFill>
+                  <a:schemeClr val="accent1"/>
+                </a:solidFill>
+              </a14:hiddenFill>
+            </a:ext>
+            <a:ext uri="{91240B29-F687-4F45-9708-019B960494DF}">
+              <a14:hiddenLine xmlns:a14="http://schemas.microsoft.com/office/drawing/2010/main" w="9525">
+                <a:solidFill>
+                  <a:schemeClr val="tx1"/>
+                </a:solidFill>
+                <a:miter lim="800000"/>
+                <a:headEnd/>
+                <a:tailEnd/>
+              </a14:hiddenLine>
+            </a:ext>
+            <a:ext uri="{AF507438-7753-43E0-B8FC-AC1667EBCBE1}">
+              <a14:hiddenEffects xmlns:a14="http://schemas.microsoft.com/office/drawing/2010/main">
+                <a:effectLst>
+                  <a:outerShdw dist="35921" dir="2700000" algn="ctr" rotWithShape="0">
+                    <a:schemeClr val="bg2"/>
+                  </a:outerShdw>
+                </a:effectLst>
+              </a14:hiddenEffects>
+            </a:ext>
+          </a:extLst>
+        </p:spPr>
+      </p:pic>
     </p:spTree>
     <p:extLst>
       <p:ext uri="{BB962C8B-B14F-4D97-AF65-F5344CB8AC3E}">
@@ -11604,11 +11902,7 @@
             </a:r>
             <a:r>
               <a:rPr lang="nl-NL" dirty="0" smtClean="0"/>
-              <a:t>, Vertex – </a:t>
-            </a:r>
-            <a:r>
-              <a:rPr lang="nl-NL" dirty="0" smtClean="0"/>
-              <a:t>Face</a:t>
+              <a:t>, Vertex – Face</a:t>
             </a:r>
           </a:p>
           <a:p>
@@ -12247,9 +12541,45 @@
           <a:lstStyle/>
           <a:p>
             <a:r>
+              <a:rPr lang="nl-NL" dirty="0" err="1" smtClean="0"/>
+              <a:t>Task</a:t>
+            </a:r>
+            <a:r>
+              <a:rPr lang="nl-NL" dirty="0" smtClean="0"/>
+              <a:t>: </a:t>
+            </a:r>
+            <a:r>
+              <a:rPr lang="nl-NL" dirty="0" err="1" smtClean="0"/>
+              <a:t>transform</a:t>
+            </a:r>
+            <a:r>
+              <a:rPr lang="nl-NL" dirty="0" smtClean="0"/>
+              <a:t> CPU </a:t>
+            </a:r>
+            <a:r>
+              <a:rPr lang="nl-NL" dirty="0" err="1" smtClean="0"/>
+              <a:t>implementation</a:t>
+            </a:r>
+            <a:r>
+              <a:rPr lang="nl-NL" dirty="0" smtClean="0"/>
+              <a:t> </a:t>
+            </a:r>
+            <a:r>
+              <a:rPr lang="nl-NL" dirty="0" err="1" smtClean="0"/>
+              <a:t>to</a:t>
+            </a:r>
+            <a:r>
+              <a:rPr lang="nl-NL" dirty="0" smtClean="0"/>
+              <a:t> CUDA</a:t>
+            </a:r>
+            <a:endParaRPr lang="nl-NL" dirty="0" smtClean="0"/>
+          </a:p>
+          <a:p>
+            <a:r>
               <a:rPr lang="nl-NL" dirty="0" smtClean="0"/>
               <a:t>Output</a:t>
             </a:r>
+            <a:endParaRPr lang="nl-NL" dirty="0" smtClean="0"/>
           </a:p>
           <a:p>
             <a:pPr lvl="1"/>
@@ -12299,13 +12629,67 @@
             </a:r>
             <a:r>
               <a:rPr lang="nl-NL" dirty="0" smtClean="0"/>
-              <a:t> * </a:t>
-            </a:r>
-            <a:r>
-              <a:rPr lang="nl-NL" smtClean="0"/>
+              <a:t> </a:t>
+            </a:r>
+            <a:r>
+              <a:rPr lang="nl-NL" dirty="0" smtClean="0"/>
+              <a:t>* </a:t>
+            </a:r>
+            <a:r>
+              <a:rPr lang="nl-NL" dirty="0" err="1" smtClean="0"/>
               <a:t>maxSize</a:t>
             </a:r>
             <a:endParaRPr lang="en-US" dirty="0"/>
+          </a:p>
+          <a:p>
+            <a:r>
+              <a:rPr lang="nl-NL" dirty="0" smtClean="0"/>
+              <a:t>Issues</a:t>
+            </a:r>
+          </a:p>
+          <a:p>
+            <a:pPr lvl="1"/>
+            <a:r>
+              <a:rPr lang="nl-NL" dirty="0" err="1" smtClean="0"/>
+              <a:t>Unbalanced</a:t>
+            </a:r>
+            <a:r>
+              <a:rPr lang="nl-NL" dirty="0" smtClean="0"/>
+              <a:t> thread </a:t>
+            </a:r>
+            <a:r>
+              <a:rPr lang="nl-NL" dirty="0" err="1" smtClean="0"/>
+              <a:t>distribution</a:t>
+            </a:r>
+            <a:endParaRPr lang="nl-NL" dirty="0" smtClean="0"/>
+          </a:p>
+          <a:p>
+            <a:pPr lvl="1"/>
+            <a:r>
+              <a:rPr lang="nl-NL" dirty="0" smtClean="0"/>
+              <a:t>Pairs without </a:t>
+            </a:r>
+            <a:r>
+              <a:rPr lang="nl-NL" dirty="0" err="1" smtClean="0"/>
+              <a:t>intersecting</a:t>
+            </a:r>
+            <a:r>
+              <a:rPr lang="nl-NL" dirty="0" smtClean="0"/>
+              <a:t> </a:t>
+            </a:r>
+            <a:r>
+              <a:rPr lang="nl-NL" dirty="0" err="1" smtClean="0"/>
+              <a:t>bounding</a:t>
+            </a:r>
+            <a:r>
+              <a:rPr lang="nl-NL" dirty="0" smtClean="0"/>
+              <a:t> </a:t>
+            </a:r>
+            <a:r>
+              <a:rPr lang="nl-NL" dirty="0" err="1" smtClean="0"/>
+              <a:t>boxes</a:t>
+            </a:r>
+            <a:endParaRPr lang="nl-NL" dirty="0" smtClean="0"/>
           </a:p>
         </p:txBody>
       </p:sp>
@@ -12387,6 +12771,794 @@
     <p:extLst>
       <p:ext uri="{BB962C8B-B14F-4D97-AF65-F5344CB8AC3E}">
         <p14:creationId xmlns:p14="http://schemas.microsoft.com/office/powerpoint/2010/main" val="1322811030"/>
+      </p:ext>
+    </p:extLst>
+  </p:cSld>
+  <p:clrMapOvr>
+    <a:masterClrMapping/>
+  </p:clrMapOvr>
+</p:sld>
+</file>
+
+<file path=ppt/slides/slide6.xml><?xml version="1.0" encoding="utf-8"?>
+<p:sld xmlns:a="http://schemas.openxmlformats.org/drawingml/2006/main" xmlns:r="http://schemas.openxmlformats.org/officeDocument/2006/relationships" xmlns:p="http://schemas.openxmlformats.org/presentationml/2006/main">
+  <p:cSld>
+    <p:spTree>
+      <p:nvGrpSpPr>
+        <p:cNvPr id="1" name=""/>
+        <p:cNvGrpSpPr/>
+        <p:nvPr/>
+      </p:nvGrpSpPr>
+      <p:grpSpPr>
+        <a:xfrm>
+          <a:off x="0" y="0"/>
+          <a:ext cx="0" cy="0"/>
+          <a:chOff x="0" y="0"/>
+          <a:chExt cx="0" cy="0"/>
+        </a:xfrm>
+      </p:grpSpPr>
+      <p:sp>
+        <p:nvSpPr>
+          <p:cNvPr id="2" name="Title 1"/>
+          <p:cNvSpPr>
+            <a:spLocks noGrp="1"/>
+          </p:cNvSpPr>
+          <p:nvPr>
+            <p:ph type="title"/>
+          </p:nvPr>
+        </p:nvSpPr>
+        <p:spPr/>
+        <p:txBody>
+          <a:bodyPr/>
+          <a:lstStyle/>
+          <a:p>
+            <a:r>
+              <a:rPr lang="nl-NL" dirty="0" smtClean="0"/>
+              <a:t>Approach		</a:t>
+            </a:r>
+            <a:endParaRPr lang="en-US" dirty="0"/>
+          </a:p>
+        </p:txBody>
+      </p:sp>
+      <p:sp>
+        <p:nvSpPr>
+          <p:cNvPr id="3" name="Content Placeholder 2"/>
+          <p:cNvSpPr>
+            <a:spLocks noGrp="1"/>
+          </p:cNvSpPr>
+          <p:nvPr>
+            <p:ph idx="1"/>
+          </p:nvPr>
+        </p:nvSpPr>
+        <p:spPr/>
+        <p:txBody>
+          <a:bodyPr/>
+          <a:lstStyle/>
+          <a:p>
+            <a:r>
+              <a:rPr lang="nl-NL" dirty="0" smtClean="0"/>
+              <a:t>No GL on GPU cluster</a:t>
+            </a:r>
+          </a:p>
+          <a:p>
+            <a:r>
+              <a:rPr lang="nl-NL" dirty="0" smtClean="0"/>
+              <a:t>Strip CPU </a:t>
+            </a:r>
+            <a:r>
+              <a:rPr lang="nl-NL" dirty="0" err="1" smtClean="0"/>
+              <a:t>implementation</a:t>
+            </a:r>
+            <a:r>
+              <a:rPr lang="nl-NL" dirty="0" smtClean="0"/>
+              <a:t> of GUI</a:t>
+            </a:r>
+          </a:p>
+          <a:p>
+            <a:r>
+              <a:rPr lang="nl-NL" dirty="0" smtClean="0"/>
+              <a:t>Just run the </a:t>
+            </a:r>
+            <a:r>
+              <a:rPr lang="nl-NL" dirty="0" err="1" smtClean="0"/>
+              <a:t>collision</a:t>
+            </a:r>
+            <a:r>
+              <a:rPr lang="nl-NL" dirty="0" smtClean="0"/>
+              <a:t> </a:t>
+            </a:r>
+            <a:r>
+              <a:rPr lang="nl-NL" dirty="0" err="1" smtClean="0"/>
+              <a:t>detection</a:t>
+            </a:r>
+            <a:r>
+              <a:rPr lang="nl-NL" dirty="0" smtClean="0"/>
+              <a:t> routine </a:t>
+            </a:r>
+            <a:r>
+              <a:rPr lang="nl-NL" dirty="0" err="1" smtClean="0"/>
+              <a:t>once</a:t>
+            </a:r>
+            <a:endParaRPr lang="en-US" dirty="0"/>
+          </a:p>
+        </p:txBody>
+      </p:sp>
+      <p:sp>
+        <p:nvSpPr>
+          <p:cNvPr id="4" name="Footer Placeholder 3"/>
+          <p:cNvSpPr>
+            <a:spLocks noGrp="1"/>
+          </p:cNvSpPr>
+          <p:nvPr>
+            <p:ph type="ftr" sz="quarter" idx="10"/>
+          </p:nvPr>
+        </p:nvSpPr>
+        <p:spPr/>
+        <p:txBody>
+          <a:bodyPr/>
+          <a:lstStyle/>
+          <a:p>
+            <a:r>
+              <a:rPr lang="nl-NL" smtClean="0"/>
+              <a:t>Algorithms for Massive Data - Collision Detection using CUDA</a:t>
+            </a:r>
+            <a:endParaRPr lang="nl-NL"/>
+          </a:p>
+        </p:txBody>
+      </p:sp>
+      <p:sp>
+        <p:nvSpPr>
+          <p:cNvPr id="5" name="Slide Number Placeholder 4"/>
+          <p:cNvSpPr>
+            <a:spLocks noGrp="1"/>
+          </p:cNvSpPr>
+          <p:nvPr>
+            <p:ph type="sldNum" sz="quarter" idx="11"/>
+          </p:nvPr>
+        </p:nvSpPr>
+        <p:spPr/>
+        <p:txBody>
+          <a:bodyPr/>
+          <a:lstStyle/>
+          <a:p>
+            <a:r>
+              <a:rPr lang="nl-NL" smtClean="0"/>
+              <a:t>PAGE </a:t>
+            </a:r>
+            <a:fld id="{64507BF3-F534-45C0-83AD-04D6CE5339EE}" type="slidenum">
+              <a:rPr lang="nl-NL" smtClean="0"/>
+              <a:pPr/>
+              <a:t>5</a:t>
+            </a:fld>
+            <a:endParaRPr lang="nl-NL"/>
+          </a:p>
+        </p:txBody>
+      </p:sp>
+      <p:sp>
+        <p:nvSpPr>
+          <p:cNvPr id="6" name="Date Placeholder 5"/>
+          <p:cNvSpPr>
+            <a:spLocks noGrp="1"/>
+          </p:cNvSpPr>
+          <p:nvPr>
+            <p:ph type="dt" sz="half" idx="12"/>
+          </p:nvPr>
+        </p:nvSpPr>
+        <p:spPr/>
+        <p:txBody>
+          <a:bodyPr/>
+          <a:lstStyle/>
+          <a:p>
+            <a:fld id="{29387D58-1795-4544-9DBD-51E7675CBAA4}" type="datetime1">
+              <a:rPr lang="nl-NL" smtClean="0"/>
+              <a:t>25-3-2014</a:t>
+            </a:fld>
+            <a:endParaRPr lang="nl-NL"/>
+          </a:p>
+        </p:txBody>
+      </p:sp>
+    </p:spTree>
+    <p:extLst>
+      <p:ext uri="{BB962C8B-B14F-4D97-AF65-F5344CB8AC3E}">
+        <p14:creationId xmlns:p14="http://schemas.microsoft.com/office/powerpoint/2010/main" val="3504255483"/>
+      </p:ext>
+    </p:extLst>
+  </p:cSld>
+  <p:clrMapOvr>
+    <a:masterClrMapping/>
+  </p:clrMapOvr>
+</p:sld>
+</file>
+
+<file path=ppt/slides/slide7.xml><?xml version="1.0" encoding="utf-8"?>
+<p:sld xmlns:a="http://schemas.openxmlformats.org/drawingml/2006/main" xmlns:r="http://schemas.openxmlformats.org/officeDocument/2006/relationships" xmlns:p="http://schemas.openxmlformats.org/presentationml/2006/main">
+  <p:cSld>
+    <p:spTree>
+      <p:nvGrpSpPr>
+        <p:cNvPr id="1" name=""/>
+        <p:cNvGrpSpPr/>
+        <p:nvPr/>
+      </p:nvGrpSpPr>
+      <p:grpSpPr>
+        <a:xfrm>
+          <a:off x="0" y="0"/>
+          <a:ext cx="0" cy="0"/>
+          <a:chOff x="0" y="0"/>
+          <a:chExt cx="0" cy="0"/>
+        </a:xfrm>
+      </p:grpSpPr>
+      <p:sp>
+        <p:nvSpPr>
+          <p:cNvPr id="2" name="Title 1"/>
+          <p:cNvSpPr>
+            <a:spLocks noGrp="1"/>
+          </p:cNvSpPr>
+          <p:nvPr>
+            <p:ph type="title"/>
+          </p:nvPr>
+        </p:nvSpPr>
+        <p:spPr/>
+        <p:txBody>
+          <a:bodyPr/>
+          <a:lstStyle/>
+          <a:p>
+            <a:r>
+              <a:rPr lang="nl-NL" dirty="0" err="1" smtClean="0"/>
+              <a:t>Measuring</a:t>
+            </a:r>
+            <a:endParaRPr lang="en-US" dirty="0"/>
+          </a:p>
+        </p:txBody>
+      </p:sp>
+      <p:sp>
+        <p:nvSpPr>
+          <p:cNvPr id="3" name="Content Placeholder 2"/>
+          <p:cNvSpPr>
+            <a:spLocks noGrp="1"/>
+          </p:cNvSpPr>
+          <p:nvPr>
+            <p:ph idx="1"/>
+          </p:nvPr>
+        </p:nvSpPr>
+        <p:spPr/>
+        <p:txBody>
+          <a:bodyPr/>
+          <a:lstStyle/>
+          <a:p>
+            <a:r>
+              <a:rPr lang="nl-NL" dirty="0" smtClean="0"/>
+              <a:t>&lt;</a:t>
+            </a:r>
+            <a:r>
+              <a:rPr lang="nl-NL" dirty="0" err="1" smtClean="0"/>
+              <a:t>sys</a:t>
+            </a:r>
+            <a:r>
+              <a:rPr lang="nl-NL" dirty="0" smtClean="0"/>
+              <a:t>/</a:t>
+            </a:r>
+            <a:r>
+              <a:rPr lang="nl-NL" dirty="0" err="1" smtClean="0"/>
+              <a:t>time.h</a:t>
+            </a:r>
+            <a:r>
+              <a:rPr lang="nl-NL" dirty="0" smtClean="0"/>
+              <a:t>&gt;</a:t>
+            </a:r>
+          </a:p>
+          <a:p>
+            <a:r>
+              <a:rPr lang="nl-NL" dirty="0" err="1" smtClean="0"/>
+              <a:t>Ms</a:t>
+            </a:r>
+            <a:r>
+              <a:rPr lang="nl-NL" dirty="0" smtClean="0"/>
+              <a:t> </a:t>
+            </a:r>
+            <a:r>
+              <a:rPr lang="nl-NL" dirty="0" err="1" smtClean="0"/>
+              <a:t>since</a:t>
+            </a:r>
+            <a:r>
+              <a:rPr lang="nl-NL" dirty="0" smtClean="0"/>
+              <a:t> </a:t>
+            </a:r>
+            <a:r>
+              <a:rPr lang="nl-NL" dirty="0" err="1" smtClean="0"/>
+              <a:t>unix</a:t>
+            </a:r>
+            <a:r>
+              <a:rPr lang="nl-NL" dirty="0" smtClean="0"/>
+              <a:t> </a:t>
+            </a:r>
+            <a:r>
+              <a:rPr lang="nl-NL" dirty="0" err="1" smtClean="0"/>
+              <a:t>epoch</a:t>
+            </a:r>
+            <a:endParaRPr lang="nl-NL" dirty="0" smtClean="0"/>
+          </a:p>
+          <a:p>
+            <a:r>
+              <a:rPr lang="nl-NL" dirty="0" err="1" smtClean="0"/>
+              <a:t>Measure</a:t>
+            </a:r>
+            <a:r>
+              <a:rPr lang="nl-NL" dirty="0" smtClean="0"/>
+              <a:t> </a:t>
+            </a:r>
+            <a:r>
+              <a:rPr lang="nl-NL" dirty="0" err="1" smtClean="0"/>
+              <a:t>before</a:t>
+            </a:r>
+            <a:r>
+              <a:rPr lang="nl-NL" dirty="0" smtClean="0"/>
+              <a:t> </a:t>
+            </a:r>
+            <a:r>
+              <a:rPr lang="nl-NL" dirty="0" err="1" smtClean="0"/>
+              <a:t>and</a:t>
+            </a:r>
+            <a:r>
+              <a:rPr lang="nl-NL" dirty="0" smtClean="0"/>
+              <a:t> </a:t>
+            </a:r>
+            <a:r>
+              <a:rPr lang="nl-NL" dirty="0" err="1" smtClean="0"/>
+              <a:t>after</a:t>
+            </a:r>
+            <a:endParaRPr lang="en-US" dirty="0"/>
+          </a:p>
+        </p:txBody>
+      </p:sp>
+      <p:sp>
+        <p:nvSpPr>
+          <p:cNvPr id="4" name="Footer Placeholder 3"/>
+          <p:cNvSpPr>
+            <a:spLocks noGrp="1"/>
+          </p:cNvSpPr>
+          <p:nvPr>
+            <p:ph type="ftr" sz="quarter" idx="10"/>
+          </p:nvPr>
+        </p:nvSpPr>
+        <p:spPr/>
+        <p:txBody>
+          <a:bodyPr/>
+          <a:lstStyle/>
+          <a:p>
+            <a:r>
+              <a:rPr lang="nl-NL" smtClean="0"/>
+              <a:t>Algorithms for Massive Data - Collision Detection using CUDA</a:t>
+            </a:r>
+            <a:endParaRPr lang="nl-NL"/>
+          </a:p>
+        </p:txBody>
+      </p:sp>
+      <p:sp>
+        <p:nvSpPr>
+          <p:cNvPr id="5" name="Slide Number Placeholder 4"/>
+          <p:cNvSpPr>
+            <a:spLocks noGrp="1"/>
+          </p:cNvSpPr>
+          <p:nvPr>
+            <p:ph type="sldNum" sz="quarter" idx="11"/>
+          </p:nvPr>
+        </p:nvSpPr>
+        <p:spPr/>
+        <p:txBody>
+          <a:bodyPr/>
+          <a:lstStyle/>
+          <a:p>
+            <a:r>
+              <a:rPr lang="nl-NL" smtClean="0"/>
+              <a:t>PAGE </a:t>
+            </a:r>
+            <a:fld id="{64507BF3-F534-45C0-83AD-04D6CE5339EE}" type="slidenum">
+              <a:rPr lang="nl-NL" smtClean="0"/>
+              <a:pPr/>
+              <a:t>6</a:t>
+            </a:fld>
+            <a:endParaRPr lang="nl-NL"/>
+          </a:p>
+        </p:txBody>
+      </p:sp>
+      <p:sp>
+        <p:nvSpPr>
+          <p:cNvPr id="6" name="Date Placeholder 5"/>
+          <p:cNvSpPr>
+            <a:spLocks noGrp="1"/>
+          </p:cNvSpPr>
+          <p:nvPr>
+            <p:ph type="dt" sz="half" idx="12"/>
+          </p:nvPr>
+        </p:nvSpPr>
+        <p:spPr/>
+        <p:txBody>
+          <a:bodyPr/>
+          <a:lstStyle/>
+          <a:p>
+            <a:fld id="{29387D58-1795-4544-9DBD-51E7675CBAA4}" type="datetime1">
+              <a:rPr lang="nl-NL" smtClean="0"/>
+              <a:t>25-3-2014</a:t>
+            </a:fld>
+            <a:endParaRPr lang="nl-NL"/>
+          </a:p>
+        </p:txBody>
+      </p:sp>
+    </p:spTree>
+    <p:extLst>
+      <p:ext uri="{BB962C8B-B14F-4D97-AF65-F5344CB8AC3E}">
+        <p14:creationId xmlns:p14="http://schemas.microsoft.com/office/powerpoint/2010/main" val="3649998688"/>
+      </p:ext>
+    </p:extLst>
+  </p:cSld>
+  <p:clrMapOvr>
+    <a:masterClrMapping/>
+  </p:clrMapOvr>
+</p:sld>
+</file>
+
+<file path=ppt/slides/slide8.xml><?xml version="1.0" encoding="utf-8"?>
+<p:sld xmlns:a="http://schemas.openxmlformats.org/drawingml/2006/main" xmlns:r="http://schemas.openxmlformats.org/officeDocument/2006/relationships" xmlns:p="http://schemas.openxmlformats.org/presentationml/2006/main">
+  <p:cSld>
+    <p:spTree>
+      <p:nvGrpSpPr>
+        <p:cNvPr id="1" name=""/>
+        <p:cNvGrpSpPr/>
+        <p:nvPr/>
+      </p:nvGrpSpPr>
+      <p:grpSpPr>
+        <a:xfrm>
+          <a:off x="0" y="0"/>
+          <a:ext cx="0" cy="0"/>
+          <a:chOff x="0" y="0"/>
+          <a:chExt cx="0" cy="0"/>
+        </a:xfrm>
+      </p:grpSpPr>
+      <p:sp>
+        <p:nvSpPr>
+          <p:cNvPr id="2" name="Title 1"/>
+          <p:cNvSpPr>
+            <a:spLocks noGrp="1"/>
+          </p:cNvSpPr>
+          <p:nvPr>
+            <p:ph type="title"/>
+          </p:nvPr>
+        </p:nvSpPr>
+        <p:spPr/>
+        <p:txBody>
+          <a:bodyPr/>
+          <a:lstStyle/>
+          <a:p>
+            <a:r>
+              <a:rPr lang="nl-NL" dirty="0" smtClean="0"/>
+              <a:t>Hardware</a:t>
+            </a:r>
+            <a:endParaRPr lang="en-US" dirty="0"/>
+          </a:p>
+        </p:txBody>
+      </p:sp>
+      <p:sp>
+        <p:nvSpPr>
+          <p:cNvPr id="3" name="Content Placeholder 2"/>
+          <p:cNvSpPr>
+            <a:spLocks noGrp="1"/>
+          </p:cNvSpPr>
+          <p:nvPr>
+            <p:ph idx="1"/>
+          </p:nvPr>
+        </p:nvSpPr>
+        <p:spPr/>
+        <p:txBody>
+          <a:bodyPr/>
+          <a:lstStyle/>
+          <a:p>
+            <a:r>
+              <a:rPr lang="nl-NL" dirty="0"/>
+              <a:t>g</a:t>
+            </a:r>
+            <a:r>
+              <a:rPr lang="nl-NL" dirty="0" smtClean="0"/>
+              <a:t>pucluster.ele.tue.nl</a:t>
+            </a:r>
+          </a:p>
+          <a:p>
+            <a:r>
+              <a:rPr lang="nl-NL" dirty="0" smtClean="0"/>
+              <a:t>Node 2</a:t>
+            </a:r>
+          </a:p>
+          <a:p>
+            <a:r>
+              <a:rPr lang="nl-NL" dirty="0" smtClean="0"/>
+              <a:t>Intel 8 </a:t>
+            </a:r>
+            <a:r>
+              <a:rPr lang="nl-NL" dirty="0" err="1" smtClean="0"/>
+              <a:t>core</a:t>
+            </a:r>
+            <a:endParaRPr lang="nl-NL" dirty="0" smtClean="0"/>
+          </a:p>
+          <a:p>
+            <a:r>
+              <a:rPr lang="nl-NL" dirty="0" err="1" smtClean="0"/>
+              <a:t>nVidia</a:t>
+            </a:r>
+            <a:r>
+              <a:rPr lang="nl-NL" dirty="0" smtClean="0"/>
+              <a:t> GTX 570 (480 </a:t>
+            </a:r>
+            <a:r>
+              <a:rPr lang="nl-NL" dirty="0" err="1" smtClean="0"/>
+              <a:t>core</a:t>
+            </a:r>
+            <a:r>
+              <a:rPr lang="nl-NL" dirty="0" smtClean="0"/>
+              <a:t>)</a:t>
+            </a:r>
+            <a:endParaRPr lang="en-US" dirty="0"/>
+          </a:p>
+        </p:txBody>
+      </p:sp>
+      <p:sp>
+        <p:nvSpPr>
+          <p:cNvPr id="4" name="Footer Placeholder 3"/>
+          <p:cNvSpPr>
+            <a:spLocks noGrp="1"/>
+          </p:cNvSpPr>
+          <p:nvPr>
+            <p:ph type="ftr" sz="quarter" idx="10"/>
+          </p:nvPr>
+        </p:nvSpPr>
+        <p:spPr/>
+        <p:txBody>
+          <a:bodyPr/>
+          <a:lstStyle/>
+          <a:p>
+            <a:r>
+              <a:rPr lang="nl-NL" smtClean="0"/>
+              <a:t>Algorithms for Massive Data - Collision Detection using CUDA</a:t>
+            </a:r>
+            <a:endParaRPr lang="nl-NL"/>
+          </a:p>
+        </p:txBody>
+      </p:sp>
+      <p:sp>
+        <p:nvSpPr>
+          <p:cNvPr id="5" name="Slide Number Placeholder 4"/>
+          <p:cNvSpPr>
+            <a:spLocks noGrp="1"/>
+          </p:cNvSpPr>
+          <p:nvPr>
+            <p:ph type="sldNum" sz="quarter" idx="11"/>
+          </p:nvPr>
+        </p:nvSpPr>
+        <p:spPr/>
+        <p:txBody>
+          <a:bodyPr/>
+          <a:lstStyle/>
+          <a:p>
+            <a:r>
+              <a:rPr lang="nl-NL" smtClean="0"/>
+              <a:t>PAGE </a:t>
+            </a:r>
+            <a:fld id="{64507BF3-F534-45C0-83AD-04D6CE5339EE}" type="slidenum">
+              <a:rPr lang="nl-NL" smtClean="0"/>
+              <a:pPr/>
+              <a:t>7</a:t>
+            </a:fld>
+            <a:endParaRPr lang="nl-NL"/>
+          </a:p>
+        </p:txBody>
+      </p:sp>
+      <p:sp>
+        <p:nvSpPr>
+          <p:cNvPr id="6" name="Date Placeholder 5"/>
+          <p:cNvSpPr>
+            <a:spLocks noGrp="1"/>
+          </p:cNvSpPr>
+          <p:nvPr>
+            <p:ph type="dt" sz="half" idx="12"/>
+          </p:nvPr>
+        </p:nvSpPr>
+        <p:spPr/>
+        <p:txBody>
+          <a:bodyPr/>
+          <a:lstStyle/>
+          <a:p>
+            <a:fld id="{29387D58-1795-4544-9DBD-51E7675CBAA4}" type="datetime1">
+              <a:rPr lang="nl-NL" smtClean="0"/>
+              <a:t>25-3-2014</a:t>
+            </a:fld>
+            <a:endParaRPr lang="nl-NL"/>
+          </a:p>
+        </p:txBody>
+      </p:sp>
+    </p:spTree>
+    <p:extLst>
+      <p:ext uri="{BB962C8B-B14F-4D97-AF65-F5344CB8AC3E}">
+        <p14:creationId xmlns:p14="http://schemas.microsoft.com/office/powerpoint/2010/main" val="844478232"/>
+      </p:ext>
+    </p:extLst>
+  </p:cSld>
+  <p:clrMapOvr>
+    <a:masterClrMapping/>
+  </p:clrMapOvr>
+</p:sld>
+</file>
+
+<file path=ppt/slides/slide9.xml><?xml version="1.0" encoding="utf-8"?>
+<p:sld xmlns:a="http://schemas.openxmlformats.org/drawingml/2006/main" xmlns:r="http://schemas.openxmlformats.org/officeDocument/2006/relationships" xmlns:p="http://schemas.openxmlformats.org/presentationml/2006/main">
+  <p:cSld>
+    <p:spTree>
+      <p:nvGrpSpPr>
+        <p:cNvPr id="1" name=""/>
+        <p:cNvGrpSpPr/>
+        <p:nvPr/>
+      </p:nvGrpSpPr>
+      <p:grpSpPr>
+        <a:xfrm>
+          <a:off x="0" y="0"/>
+          <a:ext cx="0" cy="0"/>
+          <a:chOff x="0" y="0"/>
+          <a:chExt cx="0" cy="0"/>
+        </a:xfrm>
+      </p:grpSpPr>
+      <p:sp>
+        <p:nvSpPr>
+          <p:cNvPr id="2" name="Title 1"/>
+          <p:cNvSpPr>
+            <a:spLocks noGrp="1"/>
+          </p:cNvSpPr>
+          <p:nvPr>
+            <p:ph type="title"/>
+          </p:nvPr>
+        </p:nvSpPr>
+        <p:spPr/>
+        <p:txBody>
+          <a:bodyPr/>
+          <a:lstStyle/>
+          <a:p>
+            <a:r>
+              <a:rPr lang="nl-NL" dirty="0" err="1" smtClean="0"/>
+              <a:t>Progress</a:t>
+            </a:r>
+            <a:endParaRPr lang="en-US" dirty="0"/>
+          </a:p>
+        </p:txBody>
+      </p:sp>
+      <p:sp>
+        <p:nvSpPr>
+          <p:cNvPr id="3" name="Content Placeholder 2"/>
+          <p:cNvSpPr>
+            <a:spLocks noGrp="1"/>
+          </p:cNvSpPr>
+          <p:nvPr>
+            <p:ph idx="1"/>
+          </p:nvPr>
+        </p:nvSpPr>
+        <p:spPr/>
+        <p:txBody>
+          <a:bodyPr/>
+          <a:lstStyle/>
+          <a:p>
+            <a:r>
+              <a:rPr lang="nl-NL" dirty="0" smtClean="0"/>
+              <a:t>A lot of data</a:t>
+            </a:r>
+          </a:p>
+          <a:p>
+            <a:endParaRPr lang="nl-NL" dirty="0"/>
+          </a:p>
+          <a:p>
+            <a:r>
+              <a:rPr lang="nl-NL" dirty="0" smtClean="0"/>
+              <a:t>Access </a:t>
+            </a:r>
+            <a:r>
+              <a:rPr lang="nl-NL" dirty="0" err="1" smtClean="0"/>
+              <a:t>to</a:t>
+            </a:r>
+            <a:r>
+              <a:rPr lang="nl-NL" dirty="0" smtClean="0"/>
+              <a:t> a lot of </a:t>
+            </a:r>
+            <a:r>
+              <a:rPr lang="nl-NL" dirty="0" err="1" smtClean="0"/>
+              <a:t>objects</a:t>
+            </a:r>
+            <a:r>
+              <a:rPr lang="nl-NL" dirty="0" smtClean="0"/>
+              <a:t> of host </a:t>
+            </a:r>
+            <a:r>
+              <a:rPr lang="nl-NL" dirty="0" err="1" smtClean="0"/>
+              <a:t>required</a:t>
+            </a:r>
+            <a:endParaRPr lang="nl-NL" dirty="0" smtClean="0"/>
+          </a:p>
+          <a:p>
+            <a:endParaRPr lang="en-US" dirty="0"/>
+          </a:p>
+        </p:txBody>
+      </p:sp>
+      <p:sp>
+        <p:nvSpPr>
+          <p:cNvPr id="4" name="Footer Placeholder 3"/>
+          <p:cNvSpPr>
+            <a:spLocks noGrp="1"/>
+          </p:cNvSpPr>
+          <p:nvPr>
+            <p:ph type="ftr" sz="quarter" idx="10"/>
+          </p:nvPr>
+        </p:nvSpPr>
+        <p:spPr/>
+        <p:txBody>
+          <a:bodyPr/>
+          <a:lstStyle/>
+          <a:p>
+            <a:r>
+              <a:rPr lang="nl-NL" smtClean="0"/>
+              <a:t>Algorithms for Massive Data - Collision Detection using CUDA</a:t>
+            </a:r>
+            <a:endParaRPr lang="nl-NL"/>
+          </a:p>
+        </p:txBody>
+      </p:sp>
+      <p:sp>
+        <p:nvSpPr>
+          <p:cNvPr id="5" name="Slide Number Placeholder 4"/>
+          <p:cNvSpPr>
+            <a:spLocks noGrp="1"/>
+          </p:cNvSpPr>
+          <p:nvPr>
+            <p:ph type="sldNum" sz="quarter" idx="11"/>
+          </p:nvPr>
+        </p:nvSpPr>
+        <p:spPr/>
+        <p:txBody>
+          <a:bodyPr/>
+          <a:lstStyle/>
+          <a:p>
+            <a:r>
+              <a:rPr lang="nl-NL" smtClean="0"/>
+              <a:t>PAGE </a:t>
+            </a:r>
+            <a:fld id="{64507BF3-F534-45C0-83AD-04D6CE5339EE}" type="slidenum">
+              <a:rPr lang="nl-NL" smtClean="0"/>
+              <a:pPr/>
+              <a:t>8</a:t>
+            </a:fld>
+            <a:endParaRPr lang="nl-NL"/>
+          </a:p>
+        </p:txBody>
+      </p:sp>
+      <p:sp>
+        <p:nvSpPr>
+          <p:cNvPr id="6" name="Date Placeholder 5"/>
+          <p:cNvSpPr>
+            <a:spLocks noGrp="1"/>
+          </p:cNvSpPr>
+          <p:nvPr>
+            <p:ph type="dt" sz="half" idx="12"/>
+          </p:nvPr>
+        </p:nvSpPr>
+        <p:spPr/>
+        <p:txBody>
+          <a:bodyPr/>
+          <a:lstStyle/>
+          <a:p>
+            <a:fld id="{29387D58-1795-4544-9DBD-51E7675CBAA4}" type="datetime1">
+              <a:rPr lang="nl-NL" smtClean="0"/>
+              <a:t>25-3-2014</a:t>
+            </a:fld>
+            <a:endParaRPr lang="nl-NL"/>
+          </a:p>
+        </p:txBody>
+      </p:sp>
+    </p:spTree>
+    <p:extLst>
+      <p:ext uri="{BB962C8B-B14F-4D97-AF65-F5344CB8AC3E}">
+        <p14:creationId xmlns:p14="http://schemas.microsoft.com/office/powerpoint/2010/main" val="1687566504"/>
       </p:ext>
     </p:extLst>
   </p:cSld>
